--- a/Game_Caro/Presentation1.pptx
+++ b/Game_Caro/Presentation1.pptx
@@ -3389,12 +3389,12 @@
           <a:p>
             <a:pPr algn="ctr"/>
             <a:r>
-              <a:rPr lang="en-GB" sz="1400">
-                <a:effectLst/>
-              </a:rPr>
-              <a:t>Officer</a:t>
-            </a:r>
-            <a:endParaRPr lang="en-GB" sz="1400"/>
+              <a:rPr lang="en-GB" sz="1400" dirty="0">
+                <a:effectLst/>
+              </a:rPr>
+              <a:t>Control</a:t>
+            </a:r>
+            <a:endParaRPr lang="en-GB" sz="1400" dirty="0"/>
           </a:p>
         </p:txBody>
       </p:sp>
@@ -4582,6 +4582,48 @@
           <a:xfrm rot="10800000" flipV="1">
             <a:off x="1898619" y="1544934"/>
             <a:ext cx="2435526" cy="2101163"/>
+          </a:xfrm>
+          <a:prstGeom prst="bentConnector2">
+            <a:avLst/>
+          </a:prstGeom>
+          <a:ln>
+            <a:tailEnd type="triangle"/>
+          </a:ln>
+        </p:spPr>
+        <p:style>
+          <a:lnRef idx="1">
+            <a:schemeClr val="accent1"/>
+          </a:lnRef>
+          <a:fillRef idx="0">
+            <a:schemeClr val="accent1"/>
+          </a:fillRef>
+          <a:effectRef idx="0">
+            <a:schemeClr val="accent1"/>
+          </a:effectRef>
+          <a:fontRef idx="minor">
+            <a:schemeClr val="tx1"/>
+          </a:fontRef>
+        </p:style>
+      </p:cxnSp>
+      <p:cxnSp>
+        <p:nvCxnSpPr>
+          <p:cNvPr id="12" name="Connector: Elbow 11">
+            <a:extLst>
+              <a:ext uri="{FF2B5EF4-FFF2-40B4-BE49-F238E27FC236}">
+                <a16:creationId xmlns:a16="http://schemas.microsoft.com/office/drawing/2014/main" id="{0F6C8C21-90F4-2B38-52B2-99E323497D34}"/>
+              </a:ext>
+            </a:extLst>
+          </p:cNvPr>
+          <p:cNvCxnSpPr>
+            <a:cxnSpLocks/>
+            <a:endCxn id="21" idx="0"/>
+          </p:cNvCxnSpPr>
+          <p:nvPr/>
+        </p:nvCxnSpPr>
+        <p:spPr>
+          <a:xfrm>
+            <a:off x="7061035" y="586366"/>
+            <a:ext cx="2820031" cy="612973"/>
           </a:xfrm>
           <a:prstGeom prst="bentConnector2">
             <a:avLst/>
@@ -4649,7 +4691,7 @@
         </p:nvSpPr>
         <p:spPr>
           <a:xfrm>
-            <a:off x="3764801" y="1699673"/>
+            <a:off x="547148" y="1190714"/>
             <a:ext cx="3523710" cy="345595"/>
           </a:xfrm>
           <a:prstGeom prst="rect">
@@ -4676,10 +4718,10 @@
           <a:p>
             <a:pPr algn="ctr"/>
             <a:r>
-              <a:rPr lang="en-GB" sz="1400" dirty="0" err="1">
-                <a:effectLst/>
-              </a:rPr>
-              <a:t>ManagerOfficer</a:t>
+              <a:rPr lang="en-GB" sz="1400" dirty="0">
+                <a:effectLst/>
+              </a:rPr>
+              <a:t>User</a:t>
             </a:r>
             <a:endParaRPr lang="en-GB" sz="1400" dirty="0"/>
           </a:p>
@@ -4699,7 +4741,7 @@
         </p:nvSpPr>
         <p:spPr>
           <a:xfrm>
-            <a:off x="3764800" y="2045268"/>
+            <a:off x="547147" y="1536309"/>
             <a:ext cx="3523711" cy="1155940"/>
           </a:xfrm>
           <a:prstGeom prst="rect">
@@ -4728,7 +4770,31 @@
               <a:rPr lang="en-GB" sz="1400" dirty="0">
                 <a:effectLst/>
               </a:rPr>
-              <a:t>vector&lt;Officer*&gt; officer;</a:t>
+              <a:t>std::string name;</a:t>
+            </a:r>
+          </a:p>
+          <a:p>
+            <a:r>
+              <a:rPr lang="en-GB" sz="1400" dirty="0">
+                <a:effectLst/>
+              </a:rPr>
+              <a:t>int win;</a:t>
+            </a:r>
+          </a:p>
+          <a:p>
+            <a:r>
+              <a:rPr lang="en-GB" sz="1400" dirty="0">
+                <a:effectLst/>
+              </a:rPr>
+              <a:t>int loss;</a:t>
+            </a:r>
+          </a:p>
+          <a:p>
+            <a:r>
+              <a:rPr lang="en-GB" sz="1400" dirty="0">
+                <a:effectLst/>
+              </a:rPr>
+              <a:t>int draw;</a:t>
             </a:r>
             <a:endParaRPr lang="en-GB" sz="1400" dirty="0"/>
           </a:p>
@@ -4748,8 +4814,8 @@
         </p:nvSpPr>
         <p:spPr>
           <a:xfrm>
-            <a:off x="3764800" y="3201208"/>
-            <a:ext cx="3523712" cy="1638480"/>
+            <a:off x="547147" y="2692249"/>
+            <a:ext cx="3523712" cy="2794150"/>
           </a:xfrm>
           <a:prstGeom prst="rect">
             <a:avLst/>
@@ -4774,10 +4840,52 @@
           <a:lstStyle/>
           <a:p>
             <a:r>
-              <a:rPr lang="en-GB" sz="1400" dirty="0" err="1">
-                <a:effectLst/>
-              </a:rPr>
-              <a:t>ManagerOfficer</a:t>
+              <a:rPr lang="en-GB" sz="1400" dirty="0">
+                <a:effectLst/>
+              </a:rPr>
+              <a:t>User();</a:t>
+            </a:r>
+          </a:p>
+          <a:p>
+            <a:r>
+              <a:rPr lang="en-GB" sz="1400" dirty="0">
+                <a:effectLst/>
+              </a:rPr>
+              <a:t>~User();</a:t>
+            </a:r>
+          </a:p>
+          <a:p>
+            <a:r>
+              <a:rPr lang="en-GB" sz="1400" dirty="0">
+                <a:effectLst/>
+              </a:rPr>
+              <a:t>User(</a:t>
+            </a:r>
+            <a:r>
+              <a:rPr lang="en-GB" sz="1400" dirty="0" err="1">
+                <a:effectLst/>
+              </a:rPr>
+              <a:t>const</a:t>
+            </a:r>
+            <a:r>
+              <a:rPr lang="en-GB" sz="1400" dirty="0">
+                <a:effectLst/>
+              </a:rPr>
+              <a:t> std::string &amp;name);</a:t>
+            </a:r>
+          </a:p>
+          <a:p>
+            <a:r>
+              <a:rPr lang="en-GB" sz="1400" dirty="0">
+                <a:effectLst/>
+              </a:rPr>
+              <a:t>std::string </a:t>
+            </a:r>
+            <a:r>
+              <a:rPr lang="en-GB" sz="1400" dirty="0" err="1">
+                <a:effectLst/>
+              </a:rPr>
+              <a:t>getName</a:t>
             </a:r>
             <a:r>
               <a:rPr lang="en-GB" sz="1400" dirty="0">
@@ -4797,13 +4905,45 @@
               <a:rPr lang="en-GB" sz="1400" dirty="0" err="1">
                 <a:effectLst/>
               </a:rPr>
-              <a:t>addOfficer</a:t>
-            </a:r>
-            <a:r>
-              <a:rPr lang="en-GB" sz="1400" dirty="0">
-                <a:effectLst/>
-              </a:rPr>
-              <a:t>(Officer*);</a:t>
+              <a:t>setName</a:t>
+            </a:r>
+            <a:r>
+              <a:rPr lang="en-GB" sz="1400" dirty="0">
+                <a:effectLst/>
+              </a:rPr>
+              <a:t>(</a:t>
+            </a:r>
+            <a:r>
+              <a:rPr lang="en-GB" sz="1400" dirty="0" err="1">
+                <a:effectLst/>
+              </a:rPr>
+              <a:t>const</a:t>
+            </a:r>
+            <a:r>
+              <a:rPr lang="en-GB" sz="1400" dirty="0">
+                <a:effectLst/>
+              </a:rPr>
+              <a:t> std::string &amp;name);</a:t>
+            </a:r>
+          </a:p>
+          <a:p>
+            <a:r>
+              <a:rPr lang="en-GB" sz="1400" dirty="0">
+                <a:effectLst/>
+              </a:rPr>
+              <a:t>int </a:t>
+            </a:r>
+            <a:r>
+              <a:rPr lang="en-GB" sz="1400" dirty="0" err="1">
+                <a:effectLst/>
+              </a:rPr>
+              <a:t>getWin</a:t>
+            </a:r>
+            <a:r>
+              <a:rPr lang="en-GB" sz="1400" dirty="0">
+                <a:effectLst/>
+              </a:rPr>
+              <a:t>();</a:t>
             </a:r>
           </a:p>
           <a:p>
@@ -4817,13 +4957,45 @@
               <a:rPr lang="en-GB" sz="1400" dirty="0" err="1">
                 <a:effectLst/>
               </a:rPr>
-              <a:t>shearchOfficerByName</a:t>
-            </a:r>
-            <a:r>
-              <a:rPr lang="en-GB" sz="1400" dirty="0">
-                <a:effectLst/>
-              </a:rPr>
-              <a:t>(string);</a:t>
+              <a:t>setWin</a:t>
+            </a:r>
+            <a:r>
+              <a:rPr lang="en-GB" sz="1400" dirty="0">
+                <a:effectLst/>
+              </a:rPr>
+              <a:t>(</a:t>
+            </a:r>
+            <a:r>
+              <a:rPr lang="en-GB" sz="1400" dirty="0" err="1">
+                <a:effectLst/>
+              </a:rPr>
+              <a:t>const</a:t>
+            </a:r>
+            <a:r>
+              <a:rPr lang="en-GB" sz="1400" dirty="0">
+                <a:effectLst/>
+              </a:rPr>
+              <a:t> int &amp;win);</a:t>
+            </a:r>
+          </a:p>
+          <a:p>
+            <a:r>
+              <a:rPr lang="en-GB" sz="1400" dirty="0">
+                <a:effectLst/>
+              </a:rPr>
+              <a:t>int </a:t>
+            </a:r>
+            <a:r>
+              <a:rPr lang="en-GB" sz="1400" dirty="0" err="1">
+                <a:effectLst/>
+              </a:rPr>
+              <a:t>getLoss</a:t>
+            </a:r>
+            <a:r>
+              <a:rPr lang="en-GB" sz="1400" dirty="0">
+                <a:effectLst/>
+              </a:rPr>
+              <a:t>();</a:t>
             </a:r>
           </a:p>
           <a:p>
@@ -4837,13 +5009,557 @@
               <a:rPr lang="en-GB" sz="1400" dirty="0" err="1">
                 <a:effectLst/>
               </a:rPr>
-              <a:t>ShowListInfoOfficer</a:t>
-            </a:r>
-            <a:r>
-              <a:rPr lang="en-GB" sz="1400" dirty="0">
-                <a:effectLst/>
-              </a:rPr>
-              <a:t>(void);</a:t>
+              <a:t>setLoss</a:t>
+            </a:r>
+            <a:r>
+              <a:rPr lang="en-GB" sz="1400" dirty="0">
+                <a:effectLst/>
+              </a:rPr>
+              <a:t>(</a:t>
+            </a:r>
+            <a:r>
+              <a:rPr lang="en-GB" sz="1400" dirty="0" err="1">
+                <a:effectLst/>
+              </a:rPr>
+              <a:t>const</a:t>
+            </a:r>
+            <a:r>
+              <a:rPr lang="en-GB" sz="1400" dirty="0">
+                <a:effectLst/>
+              </a:rPr>
+              <a:t> int &amp;loss);</a:t>
+            </a:r>
+          </a:p>
+          <a:p>
+            <a:r>
+              <a:rPr lang="en-GB" sz="1400" dirty="0">
+                <a:effectLst/>
+              </a:rPr>
+              <a:t>int </a:t>
+            </a:r>
+            <a:r>
+              <a:rPr lang="en-GB" sz="1400" dirty="0" err="1">
+                <a:effectLst/>
+              </a:rPr>
+              <a:t>getDraw</a:t>
+            </a:r>
+            <a:r>
+              <a:rPr lang="en-GB" sz="1400" dirty="0">
+                <a:effectLst/>
+              </a:rPr>
+              <a:t>();</a:t>
+            </a:r>
+          </a:p>
+          <a:p>
+            <a:r>
+              <a:rPr lang="en-GB" sz="1400" dirty="0">
+                <a:effectLst/>
+              </a:rPr>
+              <a:t>void </a:t>
+            </a:r>
+            <a:r>
+              <a:rPr lang="en-GB" sz="1400" dirty="0" err="1">
+                <a:effectLst/>
+              </a:rPr>
+              <a:t>setDraw</a:t>
+            </a:r>
+            <a:r>
+              <a:rPr lang="en-GB" sz="1400" dirty="0">
+                <a:effectLst/>
+              </a:rPr>
+              <a:t>(</a:t>
+            </a:r>
+            <a:r>
+              <a:rPr lang="en-GB" sz="1400" dirty="0" err="1">
+                <a:effectLst/>
+              </a:rPr>
+              <a:t>const</a:t>
+            </a:r>
+            <a:r>
+              <a:rPr lang="en-GB" sz="1400" dirty="0">
+                <a:effectLst/>
+              </a:rPr>
+              <a:t> int &amp;draw);</a:t>
+            </a:r>
+          </a:p>
+          <a:p>
+            <a:r>
+              <a:rPr lang="en-GB" sz="1400" dirty="0">
+                <a:effectLst/>
+              </a:rPr>
+              <a:t>void </a:t>
+            </a:r>
+            <a:r>
+              <a:rPr lang="en-GB" sz="1400" dirty="0" err="1">
+                <a:effectLst/>
+              </a:rPr>
+              <a:t>ShowInfo</a:t>
+            </a:r>
+            <a:r>
+              <a:rPr lang="en-GB" sz="1400" dirty="0">
+                <a:effectLst/>
+              </a:rPr>
+              <a:t>();</a:t>
+            </a:r>
+            <a:endParaRPr lang="en-GB" sz="1400" dirty="0"/>
+          </a:p>
+        </p:txBody>
+      </p:sp>
+      <p:sp>
+        <p:nvSpPr>
+          <p:cNvPr id="6" name="Rectangle 5">
+            <a:extLst>
+              <a:ext uri="{FF2B5EF4-FFF2-40B4-BE49-F238E27FC236}">
+                <a16:creationId xmlns:a16="http://schemas.microsoft.com/office/drawing/2014/main" id="{B5A59697-DA32-8423-713E-A556523C0940}"/>
+              </a:ext>
+            </a:extLst>
+          </p:cNvPr>
+          <p:cNvSpPr/>
+          <p:nvPr/>
+        </p:nvSpPr>
+        <p:spPr>
+          <a:xfrm>
+            <a:off x="4639348" y="1190714"/>
+            <a:ext cx="3523710" cy="345595"/>
+          </a:xfrm>
+          <a:prstGeom prst="rect">
+            <a:avLst/>
+          </a:prstGeom>
+        </p:spPr>
+        <p:style>
+          <a:lnRef idx="2">
+            <a:schemeClr val="dk1"/>
+          </a:lnRef>
+          <a:fillRef idx="1">
+            <a:schemeClr val="lt1"/>
+          </a:fillRef>
+          <a:effectRef idx="0">
+            <a:schemeClr val="dk1"/>
+          </a:effectRef>
+          <a:fontRef idx="minor">
+            <a:schemeClr val="dk1"/>
+          </a:fontRef>
+        </p:style>
+        <p:txBody>
+          <a:bodyPr rtlCol="0" anchor="ctr"/>
+          <a:lstStyle/>
+          <a:p>
+            <a:pPr algn="ctr"/>
+            <a:r>
+              <a:rPr lang="en-GB" sz="1400" dirty="0">
+                <a:effectLst/>
+              </a:rPr>
+              <a:t>Graphics</a:t>
+            </a:r>
+            <a:endParaRPr lang="en-GB" sz="1400" dirty="0"/>
+          </a:p>
+        </p:txBody>
+      </p:sp>
+      <p:sp>
+        <p:nvSpPr>
+          <p:cNvPr id="8" name="Rectangle 7">
+            <a:extLst>
+              <a:ext uri="{FF2B5EF4-FFF2-40B4-BE49-F238E27FC236}">
+                <a16:creationId xmlns:a16="http://schemas.microsoft.com/office/drawing/2014/main" id="{B6B702EB-9C9A-157A-956A-F92D9200E40A}"/>
+              </a:ext>
+            </a:extLst>
+          </p:cNvPr>
+          <p:cNvSpPr/>
+          <p:nvPr/>
+        </p:nvSpPr>
+        <p:spPr>
+          <a:xfrm>
+            <a:off x="4639347" y="1536309"/>
+            <a:ext cx="3523711" cy="1155940"/>
+          </a:xfrm>
+          <a:prstGeom prst="rect">
+            <a:avLst/>
+          </a:prstGeom>
+        </p:spPr>
+        <p:style>
+          <a:lnRef idx="2">
+            <a:schemeClr val="dk1"/>
+          </a:lnRef>
+          <a:fillRef idx="1">
+            <a:schemeClr val="lt1"/>
+          </a:fillRef>
+          <a:effectRef idx="0">
+            <a:schemeClr val="dk1"/>
+          </a:effectRef>
+          <a:fontRef idx="minor">
+            <a:schemeClr val="dk1"/>
+          </a:fontRef>
+        </p:style>
+        <p:txBody>
+          <a:bodyPr rtlCol="0" anchor="ctr"/>
+          <a:lstStyle/>
+          <a:p>
+            <a:endParaRPr lang="en-GB" sz="1400" dirty="0"/>
+          </a:p>
+        </p:txBody>
+      </p:sp>
+      <p:sp>
+        <p:nvSpPr>
+          <p:cNvPr id="9" name="Rectangle 8">
+            <a:extLst>
+              <a:ext uri="{FF2B5EF4-FFF2-40B4-BE49-F238E27FC236}">
+                <a16:creationId xmlns:a16="http://schemas.microsoft.com/office/drawing/2014/main" id="{573A664E-9BC4-6E93-88D1-887DF385EE16}"/>
+              </a:ext>
+            </a:extLst>
+          </p:cNvPr>
+          <p:cNvSpPr/>
+          <p:nvPr/>
+        </p:nvSpPr>
+        <p:spPr>
+          <a:xfrm>
+            <a:off x="4639347" y="2692249"/>
+            <a:ext cx="3523712" cy="2794150"/>
+          </a:xfrm>
+          <a:prstGeom prst="rect">
+            <a:avLst/>
+          </a:prstGeom>
+        </p:spPr>
+        <p:style>
+          <a:lnRef idx="2">
+            <a:schemeClr val="dk1"/>
+          </a:lnRef>
+          <a:fillRef idx="1">
+            <a:schemeClr val="lt1"/>
+          </a:fillRef>
+          <a:effectRef idx="0">
+            <a:schemeClr val="dk1"/>
+          </a:effectRef>
+          <a:fontRef idx="minor">
+            <a:schemeClr val="dk1"/>
+          </a:fontRef>
+        </p:style>
+        <p:txBody>
+          <a:bodyPr rtlCol="0" anchor="ctr"/>
+          <a:lstStyle/>
+          <a:p>
+            <a:r>
+              <a:rPr lang="en-GB" sz="1400" dirty="0">
+                <a:effectLst/>
+              </a:rPr>
+              <a:t>Graphics();</a:t>
+            </a:r>
+          </a:p>
+          <a:p>
+            <a:r>
+              <a:rPr lang="en-GB" sz="1400" dirty="0">
+                <a:effectLst/>
+              </a:rPr>
+              <a:t>static void </a:t>
+            </a:r>
+            <a:r>
+              <a:rPr lang="en-GB" sz="1400" dirty="0" err="1">
+                <a:effectLst/>
+              </a:rPr>
+              <a:t>fixConsoleWindow</a:t>
+            </a:r>
+            <a:r>
+              <a:rPr lang="en-GB" sz="1400" dirty="0">
+                <a:effectLst/>
+              </a:rPr>
+              <a:t>();</a:t>
+            </a:r>
+          </a:p>
+          <a:p>
+            <a:r>
+              <a:rPr lang="en-GB" sz="1400" dirty="0">
+                <a:effectLst/>
+              </a:rPr>
+              <a:t>static void </a:t>
+            </a:r>
+            <a:r>
+              <a:rPr lang="en-GB" sz="1400" dirty="0" err="1">
+                <a:effectLst/>
+              </a:rPr>
+              <a:t>gotoXY</a:t>
+            </a:r>
+            <a:r>
+              <a:rPr lang="en-GB" sz="1400" dirty="0">
+                <a:effectLst/>
+              </a:rPr>
+              <a:t>(int, int);</a:t>
+            </a:r>
+          </a:p>
+          <a:p>
+            <a:r>
+              <a:rPr lang="en-GB" sz="1400" dirty="0">
+                <a:effectLst/>
+              </a:rPr>
+              <a:t>static void </a:t>
+            </a:r>
+            <a:r>
+              <a:rPr lang="en-GB" sz="1400" dirty="0" err="1">
+                <a:effectLst/>
+              </a:rPr>
+              <a:t>TextColor</a:t>
+            </a:r>
+            <a:r>
+              <a:rPr lang="en-GB" sz="1400" dirty="0">
+                <a:effectLst/>
+              </a:rPr>
+              <a:t>(int);</a:t>
+            </a:r>
+          </a:p>
+          <a:p>
+            <a:r>
+              <a:rPr lang="en-GB" sz="1400" dirty="0">
+                <a:effectLst/>
+              </a:rPr>
+              <a:t>static void </a:t>
+            </a:r>
+            <a:r>
+              <a:rPr lang="en-GB" sz="1400" dirty="0" err="1">
+                <a:effectLst/>
+              </a:rPr>
+              <a:t>Nocursortype</a:t>
+            </a:r>
+            <a:r>
+              <a:rPr lang="en-GB" sz="1400" dirty="0">
+                <a:effectLst/>
+              </a:rPr>
+              <a:t>();</a:t>
+            </a:r>
+          </a:p>
+          <a:p>
+            <a:r>
+              <a:rPr lang="en-GB" sz="1400" dirty="0">
+                <a:effectLst/>
+              </a:rPr>
+              <a:t>static void </a:t>
+            </a:r>
+            <a:r>
+              <a:rPr lang="en-GB" sz="1400" dirty="0" err="1">
+                <a:effectLst/>
+              </a:rPr>
+              <a:t>UnNocursortype</a:t>
+            </a:r>
+            <a:r>
+              <a:rPr lang="en-GB" sz="1400" dirty="0">
+                <a:effectLst/>
+              </a:rPr>
+              <a:t>();</a:t>
+            </a:r>
+          </a:p>
+          <a:p>
+            <a:r>
+              <a:rPr lang="en-GB" sz="1400" dirty="0">
+                <a:effectLst/>
+              </a:rPr>
+              <a:t>static void </a:t>
+            </a:r>
+            <a:r>
+              <a:rPr lang="en-GB" sz="1400" dirty="0" err="1">
+                <a:effectLst/>
+              </a:rPr>
+              <a:t>cls</a:t>
+            </a:r>
+            <a:r>
+              <a:rPr lang="en-GB" sz="1400" dirty="0">
+                <a:effectLst/>
+              </a:rPr>
+              <a:t>(HANDLE </a:t>
+            </a:r>
+            <a:r>
+              <a:rPr lang="en-GB" sz="1400" dirty="0" err="1">
+                <a:effectLst/>
+              </a:rPr>
+              <a:t>hStdOut</a:t>
+            </a:r>
+            <a:r>
+              <a:rPr lang="en-GB" sz="1400" dirty="0">
+                <a:effectLst/>
+              </a:rPr>
+              <a:t>);</a:t>
+            </a:r>
+            <a:endParaRPr lang="en-GB" sz="1400" dirty="0"/>
+          </a:p>
+        </p:txBody>
+      </p:sp>
+      <p:sp>
+        <p:nvSpPr>
+          <p:cNvPr id="10" name="Rectangle 9">
+            <a:extLst>
+              <a:ext uri="{FF2B5EF4-FFF2-40B4-BE49-F238E27FC236}">
+                <a16:creationId xmlns:a16="http://schemas.microsoft.com/office/drawing/2014/main" id="{D450C733-7AFD-3250-F9CD-EE7A1755B2D9}"/>
+              </a:ext>
+            </a:extLst>
+          </p:cNvPr>
+          <p:cNvSpPr/>
+          <p:nvPr/>
+        </p:nvSpPr>
+        <p:spPr>
+          <a:xfrm>
+            <a:off x="8668290" y="1190714"/>
+            <a:ext cx="3523710" cy="345595"/>
+          </a:xfrm>
+          <a:prstGeom prst="rect">
+            <a:avLst/>
+          </a:prstGeom>
+        </p:spPr>
+        <p:style>
+          <a:lnRef idx="2">
+            <a:schemeClr val="dk1"/>
+          </a:lnRef>
+          <a:fillRef idx="1">
+            <a:schemeClr val="lt1"/>
+          </a:fillRef>
+          <a:effectRef idx="0">
+            <a:schemeClr val="dk1"/>
+          </a:effectRef>
+          <a:fontRef idx="minor">
+            <a:schemeClr val="dk1"/>
+          </a:fontRef>
+        </p:style>
+        <p:txBody>
+          <a:bodyPr rtlCol="0" anchor="ctr"/>
+          <a:lstStyle/>
+          <a:p>
+            <a:pPr algn="ctr"/>
+            <a:r>
+              <a:rPr lang="en-GB" sz="1400" dirty="0">
+                <a:effectLst/>
+              </a:rPr>
+              <a:t>Exception</a:t>
+            </a:r>
+            <a:endParaRPr lang="en-GB" sz="1400" dirty="0"/>
+          </a:p>
+        </p:txBody>
+      </p:sp>
+      <p:sp>
+        <p:nvSpPr>
+          <p:cNvPr id="11" name="Rectangle 10">
+            <a:extLst>
+              <a:ext uri="{FF2B5EF4-FFF2-40B4-BE49-F238E27FC236}">
+                <a16:creationId xmlns:a16="http://schemas.microsoft.com/office/drawing/2014/main" id="{CC258AC4-D9E4-ABD1-3D4B-7A734AB422C6}"/>
+              </a:ext>
+            </a:extLst>
+          </p:cNvPr>
+          <p:cNvSpPr/>
+          <p:nvPr/>
+        </p:nvSpPr>
+        <p:spPr>
+          <a:xfrm>
+            <a:off x="8668289" y="1536309"/>
+            <a:ext cx="3523711" cy="1155940"/>
+          </a:xfrm>
+          <a:prstGeom prst="rect">
+            <a:avLst/>
+          </a:prstGeom>
+        </p:spPr>
+        <p:style>
+          <a:lnRef idx="2">
+            <a:schemeClr val="dk1"/>
+          </a:lnRef>
+          <a:fillRef idx="1">
+            <a:schemeClr val="lt1"/>
+          </a:fillRef>
+          <a:effectRef idx="0">
+            <a:schemeClr val="dk1"/>
+          </a:effectRef>
+          <a:fontRef idx="minor">
+            <a:schemeClr val="dk1"/>
+          </a:fontRef>
+        </p:style>
+        <p:txBody>
+          <a:bodyPr rtlCol="0" anchor="ctr"/>
+          <a:lstStyle/>
+          <a:p>
+            <a:endParaRPr lang="en-GB" sz="1400" dirty="0"/>
+          </a:p>
+        </p:txBody>
+      </p:sp>
+      <p:sp>
+        <p:nvSpPr>
+          <p:cNvPr id="12" name="Rectangle 11">
+            <a:extLst>
+              <a:ext uri="{FF2B5EF4-FFF2-40B4-BE49-F238E27FC236}">
+                <a16:creationId xmlns:a16="http://schemas.microsoft.com/office/drawing/2014/main" id="{DD54D0A6-4774-2BEA-77DF-48EAA599E914}"/>
+              </a:ext>
+            </a:extLst>
+          </p:cNvPr>
+          <p:cNvSpPr/>
+          <p:nvPr/>
+        </p:nvSpPr>
+        <p:spPr>
+          <a:xfrm>
+            <a:off x="8668289" y="2692249"/>
+            <a:ext cx="3523712" cy="2794150"/>
+          </a:xfrm>
+          <a:prstGeom prst="rect">
+            <a:avLst/>
+          </a:prstGeom>
+        </p:spPr>
+        <p:style>
+          <a:lnRef idx="2">
+            <a:schemeClr val="dk1"/>
+          </a:lnRef>
+          <a:fillRef idx="1">
+            <a:schemeClr val="lt1"/>
+          </a:fillRef>
+          <a:effectRef idx="0">
+            <a:schemeClr val="dk1"/>
+          </a:effectRef>
+          <a:fontRef idx="minor">
+            <a:schemeClr val="dk1"/>
+          </a:fontRef>
+        </p:style>
+        <p:txBody>
+          <a:bodyPr rtlCol="0" anchor="ctr"/>
+          <a:lstStyle/>
+          <a:p>
+            <a:r>
+              <a:rPr lang="en-GB" sz="1400" dirty="0">
+                <a:effectLst/>
+              </a:rPr>
+              <a:t>Exception();</a:t>
+            </a:r>
+          </a:p>
+          <a:p>
+            <a:r>
+              <a:rPr lang="en-GB" sz="1400" dirty="0">
+                <a:effectLst/>
+              </a:rPr>
+              <a:t>static void </a:t>
+            </a:r>
+            <a:r>
+              <a:rPr lang="en-GB" sz="1400" dirty="0" err="1">
+                <a:effectLst/>
+              </a:rPr>
+              <a:t>InvalidNameException</a:t>
+            </a:r>
+            <a:r>
+              <a:rPr lang="en-GB" sz="1400" dirty="0">
+                <a:effectLst/>
+              </a:rPr>
+              <a:t>(</a:t>
+            </a:r>
+            <a:r>
+              <a:rPr lang="en-GB" sz="1400" dirty="0" err="1">
+                <a:effectLst/>
+              </a:rPr>
+              <a:t>const</a:t>
+            </a:r>
+            <a:r>
+              <a:rPr lang="en-GB" sz="1400" dirty="0">
+                <a:effectLst/>
+              </a:rPr>
+              <a:t> std::string&amp; </a:t>
+            </a:r>
+            <a:r>
+              <a:rPr lang="en-GB" sz="1400" dirty="0" err="1">
+                <a:effectLst/>
+              </a:rPr>
+              <a:t>userName</a:t>
+            </a:r>
+            <a:r>
+              <a:rPr lang="en-GB" sz="1400" dirty="0">
+                <a:effectLst/>
+              </a:rPr>
+              <a:t>);</a:t>
             </a:r>
             <a:endParaRPr lang="en-GB" sz="1400" dirty="0"/>
           </a:p>
